--- a/ppt 16-9/0655.我一生最大的事.pptx
+++ b/ppt 16-9/0655.我一生最大的事.pptx
@@ -129,7 +129,7 @@
           <p:cNvPr id="2" name="标题 1">
             <a:extLst>
               <a:ext uri="{FF2B5EF4-FFF2-40B4-BE49-F238E27FC236}">
-                <a16:creationId xmlns:a16="http://schemas.microsoft.com/office/drawing/2014/main" id="{43BAF67E-A3B8-5986-8776-935A9E0B4BA5}"/>
+                <a16:creationId xmlns:a16="http://schemas.microsoft.com/office/drawing/2014/main" id="{DA54432C-9FC1-E48B-880F-391E047E9CC1}"/>
               </a:ext>
             </a:extLst>
           </p:cNvPr>
@@ -166,7 +166,7 @@
           <p:cNvPr id="3" name="副标题 2">
             <a:extLst>
               <a:ext uri="{FF2B5EF4-FFF2-40B4-BE49-F238E27FC236}">
-                <a16:creationId xmlns:a16="http://schemas.microsoft.com/office/drawing/2014/main" id="{355120D3-EF36-A51C-5C9A-BA9ACB626BE2}"/>
+                <a16:creationId xmlns:a16="http://schemas.microsoft.com/office/drawing/2014/main" id="{A00A004C-BF88-DD2B-6CA3-F36C065DD2F0}"/>
               </a:ext>
             </a:extLst>
           </p:cNvPr>
@@ -236,7 +236,7 @@
           <p:cNvPr id="4" name="日期占位符 3">
             <a:extLst>
               <a:ext uri="{FF2B5EF4-FFF2-40B4-BE49-F238E27FC236}">
-                <a16:creationId xmlns:a16="http://schemas.microsoft.com/office/drawing/2014/main" id="{A205149B-976C-FD33-4AD9-C0A7D2D85F20}"/>
+                <a16:creationId xmlns:a16="http://schemas.microsoft.com/office/drawing/2014/main" id="{F2C7F727-3341-748D-637D-70BB80421FE1}"/>
               </a:ext>
             </a:extLst>
           </p:cNvPr>
@@ -252,7 +252,7 @@
           <a:bodyPr/>
           <a:lstStyle/>
           <a:p>
-            <a:fld id="{3F41B509-F13E-4EE1-B2A1-90ADE50EC19A}" type="datetimeFigureOut">
+            <a:fld id="{D68ACC54-C840-4B15-A23F-83B77D4DB5E4}" type="datetimeFigureOut">
               <a:rPr lang="zh-CN" altLang="en-US" smtClean="0"/>
               <a:t>2024/3/10</a:t>
             </a:fld>
@@ -265,7 +265,7 @@
           <p:cNvPr id="5" name="页脚占位符 4">
             <a:extLst>
               <a:ext uri="{FF2B5EF4-FFF2-40B4-BE49-F238E27FC236}">
-                <a16:creationId xmlns:a16="http://schemas.microsoft.com/office/drawing/2014/main" id="{D2D0DCC1-419C-752F-90C0-4FFA6B1FA46C}"/>
+                <a16:creationId xmlns:a16="http://schemas.microsoft.com/office/drawing/2014/main" id="{E6243C77-935B-F818-1FC9-85BCAC5255FB}"/>
               </a:ext>
             </a:extLst>
           </p:cNvPr>
@@ -290,7 +290,7 @@
           <p:cNvPr id="6" name="灯片编号占位符 5">
             <a:extLst>
               <a:ext uri="{FF2B5EF4-FFF2-40B4-BE49-F238E27FC236}">
-                <a16:creationId xmlns:a16="http://schemas.microsoft.com/office/drawing/2014/main" id="{B89BC234-5387-87D9-7179-EDDD383890D7}"/>
+                <a16:creationId xmlns:a16="http://schemas.microsoft.com/office/drawing/2014/main" id="{4D4C869B-8153-1B71-5E5D-342B886CCD3B}"/>
               </a:ext>
             </a:extLst>
           </p:cNvPr>
@@ -306,7 +306,7 @@
           <a:bodyPr/>
           <a:lstStyle/>
           <a:p>
-            <a:fld id="{6E988041-BCAD-401F-B55A-B0C9C824315B}" type="slidenum">
+            <a:fld id="{68C9FE0B-8E47-4BFF-B3FB-AF8FC613ABD3}" type="slidenum">
               <a:rPr lang="zh-CN" altLang="en-US" smtClean="0"/>
               <a:t>‹#›</a:t>
             </a:fld>
@@ -317,7 +317,7 @@
     </p:spTree>
     <p:extLst>
       <p:ext uri="{BB962C8B-B14F-4D97-AF65-F5344CB8AC3E}">
-        <p14:creationId xmlns:p14="http://schemas.microsoft.com/office/powerpoint/2010/main" val="2197470158"/>
+        <p14:creationId xmlns:p14="http://schemas.microsoft.com/office/powerpoint/2010/main" val="1003699773"/>
       </p:ext>
     </p:extLst>
   </p:cSld>
@@ -349,7 +349,7 @@
           <p:cNvPr id="2" name="标题 1">
             <a:extLst>
               <a:ext uri="{FF2B5EF4-FFF2-40B4-BE49-F238E27FC236}">
-                <a16:creationId xmlns:a16="http://schemas.microsoft.com/office/drawing/2014/main" id="{731E7A7B-C905-1F57-A3E5-6061E5FC1E5B}"/>
+                <a16:creationId xmlns:a16="http://schemas.microsoft.com/office/drawing/2014/main" id="{4A0C672A-3E98-1EB3-B1F7-632AEE286BEF}"/>
               </a:ext>
             </a:extLst>
           </p:cNvPr>
@@ -377,7 +377,7 @@
           <p:cNvPr id="3" name="竖排文字占位符 2">
             <a:extLst>
               <a:ext uri="{FF2B5EF4-FFF2-40B4-BE49-F238E27FC236}">
-                <a16:creationId xmlns:a16="http://schemas.microsoft.com/office/drawing/2014/main" id="{C32B8146-0A30-DF3C-99B3-20CCFD0C18D0}"/>
+                <a16:creationId xmlns:a16="http://schemas.microsoft.com/office/drawing/2014/main" id="{1D71DCCB-4910-97CA-8F71-8F7FD99151B9}"/>
               </a:ext>
             </a:extLst>
           </p:cNvPr>
@@ -434,7 +434,7 @@
           <p:cNvPr id="4" name="日期占位符 3">
             <a:extLst>
               <a:ext uri="{FF2B5EF4-FFF2-40B4-BE49-F238E27FC236}">
-                <a16:creationId xmlns:a16="http://schemas.microsoft.com/office/drawing/2014/main" id="{E258E64A-2DB1-F380-47EE-895094758DC1}"/>
+                <a16:creationId xmlns:a16="http://schemas.microsoft.com/office/drawing/2014/main" id="{6908357A-FE0D-A1E5-2207-42A840F6565A}"/>
               </a:ext>
             </a:extLst>
           </p:cNvPr>
@@ -450,7 +450,7 @@
           <a:bodyPr/>
           <a:lstStyle/>
           <a:p>
-            <a:fld id="{3F41B509-F13E-4EE1-B2A1-90ADE50EC19A}" type="datetimeFigureOut">
+            <a:fld id="{D68ACC54-C840-4B15-A23F-83B77D4DB5E4}" type="datetimeFigureOut">
               <a:rPr lang="zh-CN" altLang="en-US" smtClean="0"/>
               <a:t>2024/3/10</a:t>
             </a:fld>
@@ -463,7 +463,7 @@
           <p:cNvPr id="5" name="页脚占位符 4">
             <a:extLst>
               <a:ext uri="{FF2B5EF4-FFF2-40B4-BE49-F238E27FC236}">
-                <a16:creationId xmlns:a16="http://schemas.microsoft.com/office/drawing/2014/main" id="{65272DF7-3363-298F-7184-37A81D25E2F6}"/>
+                <a16:creationId xmlns:a16="http://schemas.microsoft.com/office/drawing/2014/main" id="{2B03532B-CF2B-42F1-646C-996ADC47EA8A}"/>
               </a:ext>
             </a:extLst>
           </p:cNvPr>
@@ -488,7 +488,7 @@
           <p:cNvPr id="6" name="灯片编号占位符 5">
             <a:extLst>
               <a:ext uri="{FF2B5EF4-FFF2-40B4-BE49-F238E27FC236}">
-                <a16:creationId xmlns:a16="http://schemas.microsoft.com/office/drawing/2014/main" id="{DD148D0A-5A73-AF5A-1A41-AAC814B98B1D}"/>
+                <a16:creationId xmlns:a16="http://schemas.microsoft.com/office/drawing/2014/main" id="{807D6CCB-7D6A-2E37-A27E-0EACE58E14F4}"/>
               </a:ext>
             </a:extLst>
           </p:cNvPr>
@@ -504,7 +504,7 @@
           <a:bodyPr/>
           <a:lstStyle/>
           <a:p>
-            <a:fld id="{6E988041-BCAD-401F-B55A-B0C9C824315B}" type="slidenum">
+            <a:fld id="{68C9FE0B-8E47-4BFF-B3FB-AF8FC613ABD3}" type="slidenum">
               <a:rPr lang="zh-CN" altLang="en-US" smtClean="0"/>
               <a:t>‹#›</a:t>
             </a:fld>
@@ -515,7 +515,7 @@
     </p:spTree>
     <p:extLst>
       <p:ext uri="{BB962C8B-B14F-4D97-AF65-F5344CB8AC3E}">
-        <p14:creationId xmlns:p14="http://schemas.microsoft.com/office/powerpoint/2010/main" val="2518073393"/>
+        <p14:creationId xmlns:p14="http://schemas.microsoft.com/office/powerpoint/2010/main" val="1288873872"/>
       </p:ext>
     </p:extLst>
   </p:cSld>
@@ -547,7 +547,7 @@
           <p:cNvPr id="2" name="竖排标题 1">
             <a:extLst>
               <a:ext uri="{FF2B5EF4-FFF2-40B4-BE49-F238E27FC236}">
-                <a16:creationId xmlns:a16="http://schemas.microsoft.com/office/drawing/2014/main" id="{407384E6-3E4F-F0D7-72C4-6450780AFD81}"/>
+                <a16:creationId xmlns:a16="http://schemas.microsoft.com/office/drawing/2014/main" id="{74676B4C-7801-D30B-1F76-879B1EE85EB9}"/>
               </a:ext>
             </a:extLst>
           </p:cNvPr>
@@ -580,7 +580,7 @@
           <p:cNvPr id="3" name="竖排文字占位符 2">
             <a:extLst>
               <a:ext uri="{FF2B5EF4-FFF2-40B4-BE49-F238E27FC236}">
-                <a16:creationId xmlns:a16="http://schemas.microsoft.com/office/drawing/2014/main" id="{0C56DF5F-F083-F3EB-B105-0E52EEBC2577}"/>
+                <a16:creationId xmlns:a16="http://schemas.microsoft.com/office/drawing/2014/main" id="{93C0B05B-A9B9-0B1D-D8AF-E216B4436808}"/>
               </a:ext>
             </a:extLst>
           </p:cNvPr>
@@ -642,7 +642,7 @@
           <p:cNvPr id="4" name="日期占位符 3">
             <a:extLst>
               <a:ext uri="{FF2B5EF4-FFF2-40B4-BE49-F238E27FC236}">
-                <a16:creationId xmlns:a16="http://schemas.microsoft.com/office/drawing/2014/main" id="{EC1BA229-B2A3-F066-D5E5-96D24A10365C}"/>
+                <a16:creationId xmlns:a16="http://schemas.microsoft.com/office/drawing/2014/main" id="{712A78FB-60F0-DF74-1589-1AD1F5244311}"/>
               </a:ext>
             </a:extLst>
           </p:cNvPr>
@@ -658,7 +658,7 @@
           <a:bodyPr/>
           <a:lstStyle/>
           <a:p>
-            <a:fld id="{3F41B509-F13E-4EE1-B2A1-90ADE50EC19A}" type="datetimeFigureOut">
+            <a:fld id="{D68ACC54-C840-4B15-A23F-83B77D4DB5E4}" type="datetimeFigureOut">
               <a:rPr lang="zh-CN" altLang="en-US" smtClean="0"/>
               <a:t>2024/3/10</a:t>
             </a:fld>
@@ -671,7 +671,7 @@
           <p:cNvPr id="5" name="页脚占位符 4">
             <a:extLst>
               <a:ext uri="{FF2B5EF4-FFF2-40B4-BE49-F238E27FC236}">
-                <a16:creationId xmlns:a16="http://schemas.microsoft.com/office/drawing/2014/main" id="{AA0AA1FD-0577-2890-F49B-F941F4E16F31}"/>
+                <a16:creationId xmlns:a16="http://schemas.microsoft.com/office/drawing/2014/main" id="{9E020B9B-EC9F-64E9-08D8-EE07BD86BF19}"/>
               </a:ext>
             </a:extLst>
           </p:cNvPr>
@@ -696,7 +696,7 @@
           <p:cNvPr id="6" name="灯片编号占位符 5">
             <a:extLst>
               <a:ext uri="{FF2B5EF4-FFF2-40B4-BE49-F238E27FC236}">
-                <a16:creationId xmlns:a16="http://schemas.microsoft.com/office/drawing/2014/main" id="{F82A23F6-52DB-B2BD-C096-FCDB62DCF7E7}"/>
+                <a16:creationId xmlns:a16="http://schemas.microsoft.com/office/drawing/2014/main" id="{3D4B685C-DDC6-4921-8859-52E3A58351BF}"/>
               </a:ext>
             </a:extLst>
           </p:cNvPr>
@@ -712,7 +712,7 @@
           <a:bodyPr/>
           <a:lstStyle/>
           <a:p>
-            <a:fld id="{6E988041-BCAD-401F-B55A-B0C9C824315B}" type="slidenum">
+            <a:fld id="{68C9FE0B-8E47-4BFF-B3FB-AF8FC613ABD3}" type="slidenum">
               <a:rPr lang="zh-CN" altLang="en-US" smtClean="0"/>
               <a:t>‹#›</a:t>
             </a:fld>
@@ -723,7 +723,7 @@
     </p:spTree>
     <p:extLst>
       <p:ext uri="{BB962C8B-B14F-4D97-AF65-F5344CB8AC3E}">
-        <p14:creationId xmlns:p14="http://schemas.microsoft.com/office/powerpoint/2010/main" val="835571965"/>
+        <p14:creationId xmlns:p14="http://schemas.microsoft.com/office/powerpoint/2010/main" val="1916147050"/>
       </p:ext>
     </p:extLst>
   </p:cSld>
@@ -755,7 +755,7 @@
           <p:cNvPr id="2" name="标题 1">
             <a:extLst>
               <a:ext uri="{FF2B5EF4-FFF2-40B4-BE49-F238E27FC236}">
-                <a16:creationId xmlns:a16="http://schemas.microsoft.com/office/drawing/2014/main" id="{214F47C9-D423-C0F3-D7AE-ABF4FE3E8020}"/>
+                <a16:creationId xmlns:a16="http://schemas.microsoft.com/office/drawing/2014/main" id="{FC945C8E-5AE3-6FB4-C9BD-B5CCDFAAEA49}"/>
               </a:ext>
             </a:extLst>
           </p:cNvPr>
@@ -783,7 +783,7 @@
           <p:cNvPr id="3" name="内容占位符 2">
             <a:extLst>
               <a:ext uri="{FF2B5EF4-FFF2-40B4-BE49-F238E27FC236}">
-                <a16:creationId xmlns:a16="http://schemas.microsoft.com/office/drawing/2014/main" id="{FBB7B963-4651-305E-F859-8C7707116CF5}"/>
+                <a16:creationId xmlns:a16="http://schemas.microsoft.com/office/drawing/2014/main" id="{D1284258-CAC5-BDD7-5965-C45016764464}"/>
               </a:ext>
             </a:extLst>
           </p:cNvPr>
@@ -840,7 +840,7 @@
           <p:cNvPr id="4" name="日期占位符 3">
             <a:extLst>
               <a:ext uri="{FF2B5EF4-FFF2-40B4-BE49-F238E27FC236}">
-                <a16:creationId xmlns:a16="http://schemas.microsoft.com/office/drawing/2014/main" id="{528B650E-253D-990C-40F7-DFF262C22AF7}"/>
+                <a16:creationId xmlns:a16="http://schemas.microsoft.com/office/drawing/2014/main" id="{77E1C089-D388-621E-1370-F6926121EB2F}"/>
               </a:ext>
             </a:extLst>
           </p:cNvPr>
@@ -856,7 +856,7 @@
           <a:bodyPr/>
           <a:lstStyle/>
           <a:p>
-            <a:fld id="{3F41B509-F13E-4EE1-B2A1-90ADE50EC19A}" type="datetimeFigureOut">
+            <a:fld id="{D68ACC54-C840-4B15-A23F-83B77D4DB5E4}" type="datetimeFigureOut">
               <a:rPr lang="zh-CN" altLang="en-US" smtClean="0"/>
               <a:t>2024/3/10</a:t>
             </a:fld>
@@ -869,7 +869,7 @@
           <p:cNvPr id="5" name="页脚占位符 4">
             <a:extLst>
               <a:ext uri="{FF2B5EF4-FFF2-40B4-BE49-F238E27FC236}">
-                <a16:creationId xmlns:a16="http://schemas.microsoft.com/office/drawing/2014/main" id="{B48B7619-3BE0-5780-C863-0E5F9F715BDF}"/>
+                <a16:creationId xmlns:a16="http://schemas.microsoft.com/office/drawing/2014/main" id="{349B6F39-9014-0E91-7F07-E01EF17FE06A}"/>
               </a:ext>
             </a:extLst>
           </p:cNvPr>
@@ -894,7 +894,7 @@
           <p:cNvPr id="6" name="灯片编号占位符 5">
             <a:extLst>
               <a:ext uri="{FF2B5EF4-FFF2-40B4-BE49-F238E27FC236}">
-                <a16:creationId xmlns:a16="http://schemas.microsoft.com/office/drawing/2014/main" id="{B504B587-B3DA-C08B-92DD-BD79BDA34A1A}"/>
+                <a16:creationId xmlns:a16="http://schemas.microsoft.com/office/drawing/2014/main" id="{99A9A304-CDEC-96B8-955B-A48CEB7E41A8}"/>
               </a:ext>
             </a:extLst>
           </p:cNvPr>
@@ -910,7 +910,7 @@
           <a:bodyPr/>
           <a:lstStyle/>
           <a:p>
-            <a:fld id="{6E988041-BCAD-401F-B55A-B0C9C824315B}" type="slidenum">
+            <a:fld id="{68C9FE0B-8E47-4BFF-B3FB-AF8FC613ABD3}" type="slidenum">
               <a:rPr lang="zh-CN" altLang="en-US" smtClean="0"/>
               <a:t>‹#›</a:t>
             </a:fld>
@@ -921,7 +921,7 @@
     </p:spTree>
     <p:extLst>
       <p:ext uri="{BB962C8B-B14F-4D97-AF65-F5344CB8AC3E}">
-        <p14:creationId xmlns:p14="http://schemas.microsoft.com/office/powerpoint/2010/main" val="435593147"/>
+        <p14:creationId xmlns:p14="http://schemas.microsoft.com/office/powerpoint/2010/main" val="1252867723"/>
       </p:ext>
     </p:extLst>
   </p:cSld>
@@ -953,7 +953,7 @@
           <p:cNvPr id="2" name="标题 1">
             <a:extLst>
               <a:ext uri="{FF2B5EF4-FFF2-40B4-BE49-F238E27FC236}">
-                <a16:creationId xmlns:a16="http://schemas.microsoft.com/office/drawing/2014/main" id="{470E8D61-92F4-A842-5B37-1F1D773282B1}"/>
+                <a16:creationId xmlns:a16="http://schemas.microsoft.com/office/drawing/2014/main" id="{A0780BE4-336C-A445-F385-26E4C6465AD3}"/>
               </a:ext>
             </a:extLst>
           </p:cNvPr>
@@ -990,7 +990,7 @@
           <p:cNvPr id="3" name="文本占位符 2">
             <a:extLst>
               <a:ext uri="{FF2B5EF4-FFF2-40B4-BE49-F238E27FC236}">
-                <a16:creationId xmlns:a16="http://schemas.microsoft.com/office/drawing/2014/main" id="{D9E80055-DABD-86C5-AA79-ABBD6BFD2B26}"/>
+                <a16:creationId xmlns:a16="http://schemas.microsoft.com/office/drawing/2014/main" id="{97E64506-6890-7187-34F1-F60CB5508E24}"/>
               </a:ext>
             </a:extLst>
           </p:cNvPr>
@@ -1115,7 +1115,7 @@
           <p:cNvPr id="4" name="日期占位符 3">
             <a:extLst>
               <a:ext uri="{FF2B5EF4-FFF2-40B4-BE49-F238E27FC236}">
-                <a16:creationId xmlns:a16="http://schemas.microsoft.com/office/drawing/2014/main" id="{C84BB677-FC9C-365E-3740-88FB7C51B85F}"/>
+                <a16:creationId xmlns:a16="http://schemas.microsoft.com/office/drawing/2014/main" id="{1E975B45-5AED-3F68-7ABF-D9F0BB65B71C}"/>
               </a:ext>
             </a:extLst>
           </p:cNvPr>
@@ -1131,7 +1131,7 @@
           <a:bodyPr/>
           <a:lstStyle/>
           <a:p>
-            <a:fld id="{3F41B509-F13E-4EE1-B2A1-90ADE50EC19A}" type="datetimeFigureOut">
+            <a:fld id="{D68ACC54-C840-4B15-A23F-83B77D4DB5E4}" type="datetimeFigureOut">
               <a:rPr lang="zh-CN" altLang="en-US" smtClean="0"/>
               <a:t>2024/3/10</a:t>
             </a:fld>
@@ -1144,7 +1144,7 @@
           <p:cNvPr id="5" name="页脚占位符 4">
             <a:extLst>
               <a:ext uri="{FF2B5EF4-FFF2-40B4-BE49-F238E27FC236}">
-                <a16:creationId xmlns:a16="http://schemas.microsoft.com/office/drawing/2014/main" id="{A45D2753-1423-94E9-9E11-E67F0E87C1A9}"/>
+                <a16:creationId xmlns:a16="http://schemas.microsoft.com/office/drawing/2014/main" id="{A697EDD9-5BD2-AC5A-93C3-B8C340637E86}"/>
               </a:ext>
             </a:extLst>
           </p:cNvPr>
@@ -1169,7 +1169,7 @@
           <p:cNvPr id="6" name="灯片编号占位符 5">
             <a:extLst>
               <a:ext uri="{FF2B5EF4-FFF2-40B4-BE49-F238E27FC236}">
-                <a16:creationId xmlns:a16="http://schemas.microsoft.com/office/drawing/2014/main" id="{02D2202B-A6E7-0E6A-D2E0-3FEA2DAA783D}"/>
+                <a16:creationId xmlns:a16="http://schemas.microsoft.com/office/drawing/2014/main" id="{D166B071-91DE-47B4-0B74-568AA58C214E}"/>
               </a:ext>
             </a:extLst>
           </p:cNvPr>
@@ -1185,7 +1185,7 @@
           <a:bodyPr/>
           <a:lstStyle/>
           <a:p>
-            <a:fld id="{6E988041-BCAD-401F-B55A-B0C9C824315B}" type="slidenum">
+            <a:fld id="{68C9FE0B-8E47-4BFF-B3FB-AF8FC613ABD3}" type="slidenum">
               <a:rPr lang="zh-CN" altLang="en-US" smtClean="0"/>
               <a:t>‹#›</a:t>
             </a:fld>
@@ -1196,7 +1196,7 @@
     </p:spTree>
     <p:extLst>
       <p:ext uri="{BB962C8B-B14F-4D97-AF65-F5344CB8AC3E}">
-        <p14:creationId xmlns:p14="http://schemas.microsoft.com/office/powerpoint/2010/main" val="4253028398"/>
+        <p14:creationId xmlns:p14="http://schemas.microsoft.com/office/powerpoint/2010/main" val="2146741575"/>
       </p:ext>
     </p:extLst>
   </p:cSld>
@@ -1228,7 +1228,7 @@
           <p:cNvPr id="2" name="标题 1">
             <a:extLst>
               <a:ext uri="{FF2B5EF4-FFF2-40B4-BE49-F238E27FC236}">
-                <a16:creationId xmlns:a16="http://schemas.microsoft.com/office/drawing/2014/main" id="{5E6F8C37-6EE6-DF1E-9F4D-0A4B810F1F78}"/>
+                <a16:creationId xmlns:a16="http://schemas.microsoft.com/office/drawing/2014/main" id="{0DA308C4-34C0-969E-0780-18AE01424CB8}"/>
               </a:ext>
             </a:extLst>
           </p:cNvPr>
@@ -1256,7 +1256,7 @@
           <p:cNvPr id="3" name="内容占位符 2">
             <a:extLst>
               <a:ext uri="{FF2B5EF4-FFF2-40B4-BE49-F238E27FC236}">
-                <a16:creationId xmlns:a16="http://schemas.microsoft.com/office/drawing/2014/main" id="{F94DC2FC-A385-09F9-A38E-3C28C7C87158}"/>
+                <a16:creationId xmlns:a16="http://schemas.microsoft.com/office/drawing/2014/main" id="{EB88E4CD-85AF-DB8C-A20F-64AE0DC8AC02}"/>
               </a:ext>
             </a:extLst>
           </p:cNvPr>
@@ -1318,7 +1318,7 @@
           <p:cNvPr id="4" name="内容占位符 3">
             <a:extLst>
               <a:ext uri="{FF2B5EF4-FFF2-40B4-BE49-F238E27FC236}">
-                <a16:creationId xmlns:a16="http://schemas.microsoft.com/office/drawing/2014/main" id="{4314115E-0C3F-342D-6400-AD12765C79C9}"/>
+                <a16:creationId xmlns:a16="http://schemas.microsoft.com/office/drawing/2014/main" id="{0F173ED4-B7EA-C4FB-3FAD-1FEB46195A17}"/>
               </a:ext>
             </a:extLst>
           </p:cNvPr>
@@ -1380,7 +1380,7 @@
           <p:cNvPr id="5" name="日期占位符 4">
             <a:extLst>
               <a:ext uri="{FF2B5EF4-FFF2-40B4-BE49-F238E27FC236}">
-                <a16:creationId xmlns:a16="http://schemas.microsoft.com/office/drawing/2014/main" id="{E65654B8-E8FD-6C95-D673-C12029D71804}"/>
+                <a16:creationId xmlns:a16="http://schemas.microsoft.com/office/drawing/2014/main" id="{90CEA92F-4B5C-9ED9-1324-7AFE58367FF9}"/>
               </a:ext>
             </a:extLst>
           </p:cNvPr>
@@ -1396,7 +1396,7 @@
           <a:bodyPr/>
           <a:lstStyle/>
           <a:p>
-            <a:fld id="{3F41B509-F13E-4EE1-B2A1-90ADE50EC19A}" type="datetimeFigureOut">
+            <a:fld id="{D68ACC54-C840-4B15-A23F-83B77D4DB5E4}" type="datetimeFigureOut">
               <a:rPr lang="zh-CN" altLang="en-US" smtClean="0"/>
               <a:t>2024/3/10</a:t>
             </a:fld>
@@ -1409,7 +1409,7 @@
           <p:cNvPr id="6" name="页脚占位符 5">
             <a:extLst>
               <a:ext uri="{FF2B5EF4-FFF2-40B4-BE49-F238E27FC236}">
-                <a16:creationId xmlns:a16="http://schemas.microsoft.com/office/drawing/2014/main" id="{BE0AB57A-8918-9CAF-8241-0031CAE0174A}"/>
+                <a16:creationId xmlns:a16="http://schemas.microsoft.com/office/drawing/2014/main" id="{605387F9-2F13-32CB-D86C-40F76C54B5CA}"/>
               </a:ext>
             </a:extLst>
           </p:cNvPr>
@@ -1434,7 +1434,7 @@
           <p:cNvPr id="7" name="灯片编号占位符 6">
             <a:extLst>
               <a:ext uri="{FF2B5EF4-FFF2-40B4-BE49-F238E27FC236}">
-                <a16:creationId xmlns:a16="http://schemas.microsoft.com/office/drawing/2014/main" id="{C0B4C99A-3151-2509-EE7E-063AD3D25FFD}"/>
+                <a16:creationId xmlns:a16="http://schemas.microsoft.com/office/drawing/2014/main" id="{8AB322A4-274A-3EC3-9097-FF2ADCDF89E5}"/>
               </a:ext>
             </a:extLst>
           </p:cNvPr>
@@ -1450,7 +1450,7 @@
           <a:bodyPr/>
           <a:lstStyle/>
           <a:p>
-            <a:fld id="{6E988041-BCAD-401F-B55A-B0C9C824315B}" type="slidenum">
+            <a:fld id="{68C9FE0B-8E47-4BFF-B3FB-AF8FC613ABD3}" type="slidenum">
               <a:rPr lang="zh-CN" altLang="en-US" smtClean="0"/>
               <a:t>‹#›</a:t>
             </a:fld>
@@ -1461,7 +1461,7 @@
     </p:spTree>
     <p:extLst>
       <p:ext uri="{BB962C8B-B14F-4D97-AF65-F5344CB8AC3E}">
-        <p14:creationId xmlns:p14="http://schemas.microsoft.com/office/powerpoint/2010/main" val="1317325123"/>
+        <p14:creationId xmlns:p14="http://schemas.microsoft.com/office/powerpoint/2010/main" val="507883802"/>
       </p:ext>
     </p:extLst>
   </p:cSld>
@@ -1493,7 +1493,7 @@
           <p:cNvPr id="2" name="标题 1">
             <a:extLst>
               <a:ext uri="{FF2B5EF4-FFF2-40B4-BE49-F238E27FC236}">
-                <a16:creationId xmlns:a16="http://schemas.microsoft.com/office/drawing/2014/main" id="{29EE09E3-1CFA-8C2E-637F-FA13940D0E47}"/>
+                <a16:creationId xmlns:a16="http://schemas.microsoft.com/office/drawing/2014/main" id="{C89EBDA0-BF49-FBC5-7FB7-F72879D148FE}"/>
               </a:ext>
             </a:extLst>
           </p:cNvPr>
@@ -1526,7 +1526,7 @@
           <p:cNvPr id="3" name="文本占位符 2">
             <a:extLst>
               <a:ext uri="{FF2B5EF4-FFF2-40B4-BE49-F238E27FC236}">
-                <a16:creationId xmlns:a16="http://schemas.microsoft.com/office/drawing/2014/main" id="{D4342069-F849-E926-49F5-95E52135E5E3}"/>
+                <a16:creationId xmlns:a16="http://schemas.microsoft.com/office/drawing/2014/main" id="{EAED9473-207C-AD5A-A94E-CBF605A0B07F}"/>
               </a:ext>
             </a:extLst>
           </p:cNvPr>
@@ -1597,7 +1597,7 @@
           <p:cNvPr id="4" name="内容占位符 3">
             <a:extLst>
               <a:ext uri="{FF2B5EF4-FFF2-40B4-BE49-F238E27FC236}">
-                <a16:creationId xmlns:a16="http://schemas.microsoft.com/office/drawing/2014/main" id="{19B452EB-C063-2831-6C8B-26804C70A83B}"/>
+                <a16:creationId xmlns:a16="http://schemas.microsoft.com/office/drawing/2014/main" id="{6320C90D-597E-9D70-70BF-8329AC7C6E08}"/>
               </a:ext>
             </a:extLst>
           </p:cNvPr>
@@ -1659,7 +1659,7 @@
           <p:cNvPr id="5" name="文本占位符 4">
             <a:extLst>
               <a:ext uri="{FF2B5EF4-FFF2-40B4-BE49-F238E27FC236}">
-                <a16:creationId xmlns:a16="http://schemas.microsoft.com/office/drawing/2014/main" id="{207E070E-648B-49DD-A779-63C9BC8E0A8C}"/>
+                <a16:creationId xmlns:a16="http://schemas.microsoft.com/office/drawing/2014/main" id="{2312EE0C-57C7-F1DB-0815-2E7581DCA4B8}"/>
               </a:ext>
             </a:extLst>
           </p:cNvPr>
@@ -1730,7 +1730,7 @@
           <p:cNvPr id="6" name="内容占位符 5">
             <a:extLst>
               <a:ext uri="{FF2B5EF4-FFF2-40B4-BE49-F238E27FC236}">
-                <a16:creationId xmlns:a16="http://schemas.microsoft.com/office/drawing/2014/main" id="{779A1FC9-FCC3-AFDB-5AB1-2961C87C8338}"/>
+                <a16:creationId xmlns:a16="http://schemas.microsoft.com/office/drawing/2014/main" id="{C77206DF-1138-2E9E-9EAF-1EA119EB4CEB}"/>
               </a:ext>
             </a:extLst>
           </p:cNvPr>
@@ -1792,7 +1792,7 @@
           <p:cNvPr id="7" name="日期占位符 6">
             <a:extLst>
               <a:ext uri="{FF2B5EF4-FFF2-40B4-BE49-F238E27FC236}">
-                <a16:creationId xmlns:a16="http://schemas.microsoft.com/office/drawing/2014/main" id="{388B5350-378A-6679-1BFF-4CC14D3B17AA}"/>
+                <a16:creationId xmlns:a16="http://schemas.microsoft.com/office/drawing/2014/main" id="{DDEC6F03-C4B1-1403-0E49-26818C8382CC}"/>
               </a:ext>
             </a:extLst>
           </p:cNvPr>
@@ -1808,7 +1808,7 @@
           <a:bodyPr/>
           <a:lstStyle/>
           <a:p>
-            <a:fld id="{3F41B509-F13E-4EE1-B2A1-90ADE50EC19A}" type="datetimeFigureOut">
+            <a:fld id="{D68ACC54-C840-4B15-A23F-83B77D4DB5E4}" type="datetimeFigureOut">
               <a:rPr lang="zh-CN" altLang="en-US" smtClean="0"/>
               <a:t>2024/3/10</a:t>
             </a:fld>
@@ -1821,7 +1821,7 @@
           <p:cNvPr id="8" name="页脚占位符 7">
             <a:extLst>
               <a:ext uri="{FF2B5EF4-FFF2-40B4-BE49-F238E27FC236}">
-                <a16:creationId xmlns:a16="http://schemas.microsoft.com/office/drawing/2014/main" id="{2535C702-7162-75D3-77C2-ABC3A0B646AA}"/>
+                <a16:creationId xmlns:a16="http://schemas.microsoft.com/office/drawing/2014/main" id="{9DCE740A-4681-4A84-E86D-E8BC38C3A706}"/>
               </a:ext>
             </a:extLst>
           </p:cNvPr>
@@ -1846,7 +1846,7 @@
           <p:cNvPr id="9" name="灯片编号占位符 8">
             <a:extLst>
               <a:ext uri="{FF2B5EF4-FFF2-40B4-BE49-F238E27FC236}">
-                <a16:creationId xmlns:a16="http://schemas.microsoft.com/office/drawing/2014/main" id="{C00B69A5-F3E5-5A78-77D1-43540140D549}"/>
+                <a16:creationId xmlns:a16="http://schemas.microsoft.com/office/drawing/2014/main" id="{D7DC46CC-6FC6-E270-F93A-1C367B07E56E}"/>
               </a:ext>
             </a:extLst>
           </p:cNvPr>
@@ -1862,7 +1862,7 @@
           <a:bodyPr/>
           <a:lstStyle/>
           <a:p>
-            <a:fld id="{6E988041-BCAD-401F-B55A-B0C9C824315B}" type="slidenum">
+            <a:fld id="{68C9FE0B-8E47-4BFF-B3FB-AF8FC613ABD3}" type="slidenum">
               <a:rPr lang="zh-CN" altLang="en-US" smtClean="0"/>
               <a:t>‹#›</a:t>
             </a:fld>
@@ -1873,7 +1873,7 @@
     </p:spTree>
     <p:extLst>
       <p:ext uri="{BB962C8B-B14F-4D97-AF65-F5344CB8AC3E}">
-        <p14:creationId xmlns:p14="http://schemas.microsoft.com/office/powerpoint/2010/main" val="1527925065"/>
+        <p14:creationId xmlns:p14="http://schemas.microsoft.com/office/powerpoint/2010/main" val="2816763876"/>
       </p:ext>
     </p:extLst>
   </p:cSld>
@@ -1905,7 +1905,7 @@
           <p:cNvPr id="2" name="标题 1">
             <a:extLst>
               <a:ext uri="{FF2B5EF4-FFF2-40B4-BE49-F238E27FC236}">
-                <a16:creationId xmlns:a16="http://schemas.microsoft.com/office/drawing/2014/main" id="{6FE9AA54-B5F7-84F1-4146-27FC67ECE62B}"/>
+                <a16:creationId xmlns:a16="http://schemas.microsoft.com/office/drawing/2014/main" id="{FB95FAA6-88A4-030C-61C8-729A521CD30A}"/>
               </a:ext>
             </a:extLst>
           </p:cNvPr>
@@ -1933,7 +1933,7 @@
           <p:cNvPr id="3" name="日期占位符 2">
             <a:extLst>
               <a:ext uri="{FF2B5EF4-FFF2-40B4-BE49-F238E27FC236}">
-                <a16:creationId xmlns:a16="http://schemas.microsoft.com/office/drawing/2014/main" id="{E7EC0771-FF2C-5365-A2FF-C6CAB586D169}"/>
+                <a16:creationId xmlns:a16="http://schemas.microsoft.com/office/drawing/2014/main" id="{86FC209C-FA2F-2BD5-301D-60C3340B067F}"/>
               </a:ext>
             </a:extLst>
           </p:cNvPr>
@@ -1949,7 +1949,7 @@
           <a:bodyPr/>
           <a:lstStyle/>
           <a:p>
-            <a:fld id="{3F41B509-F13E-4EE1-B2A1-90ADE50EC19A}" type="datetimeFigureOut">
+            <a:fld id="{D68ACC54-C840-4B15-A23F-83B77D4DB5E4}" type="datetimeFigureOut">
               <a:rPr lang="zh-CN" altLang="en-US" smtClean="0"/>
               <a:t>2024/3/10</a:t>
             </a:fld>
@@ -1962,7 +1962,7 @@
           <p:cNvPr id="4" name="页脚占位符 3">
             <a:extLst>
               <a:ext uri="{FF2B5EF4-FFF2-40B4-BE49-F238E27FC236}">
-                <a16:creationId xmlns:a16="http://schemas.microsoft.com/office/drawing/2014/main" id="{4489EC10-55F2-DBBC-400F-A6457F6FE03A}"/>
+                <a16:creationId xmlns:a16="http://schemas.microsoft.com/office/drawing/2014/main" id="{28C403AB-6643-1F44-0EA9-3E9BB8C4314C}"/>
               </a:ext>
             </a:extLst>
           </p:cNvPr>
@@ -1987,7 +1987,7 @@
           <p:cNvPr id="5" name="灯片编号占位符 4">
             <a:extLst>
               <a:ext uri="{FF2B5EF4-FFF2-40B4-BE49-F238E27FC236}">
-                <a16:creationId xmlns:a16="http://schemas.microsoft.com/office/drawing/2014/main" id="{73BBEB48-900B-424A-2A53-4B713069821E}"/>
+                <a16:creationId xmlns:a16="http://schemas.microsoft.com/office/drawing/2014/main" id="{28D26025-2C54-2B61-1895-8D2C6BCA442F}"/>
               </a:ext>
             </a:extLst>
           </p:cNvPr>
@@ -2003,7 +2003,7 @@
           <a:bodyPr/>
           <a:lstStyle/>
           <a:p>
-            <a:fld id="{6E988041-BCAD-401F-B55A-B0C9C824315B}" type="slidenum">
+            <a:fld id="{68C9FE0B-8E47-4BFF-B3FB-AF8FC613ABD3}" type="slidenum">
               <a:rPr lang="zh-CN" altLang="en-US" smtClean="0"/>
               <a:t>‹#›</a:t>
             </a:fld>
@@ -2014,7 +2014,7 @@
     </p:spTree>
     <p:extLst>
       <p:ext uri="{BB962C8B-B14F-4D97-AF65-F5344CB8AC3E}">
-        <p14:creationId xmlns:p14="http://schemas.microsoft.com/office/powerpoint/2010/main" val="58347991"/>
+        <p14:creationId xmlns:p14="http://schemas.microsoft.com/office/powerpoint/2010/main" val="3188148711"/>
       </p:ext>
     </p:extLst>
   </p:cSld>
@@ -2046,7 +2046,7 @@
           <p:cNvPr id="2" name="日期占位符 1">
             <a:extLst>
               <a:ext uri="{FF2B5EF4-FFF2-40B4-BE49-F238E27FC236}">
-                <a16:creationId xmlns:a16="http://schemas.microsoft.com/office/drawing/2014/main" id="{B1915BBD-9524-B816-21A6-93D7326C5A85}"/>
+                <a16:creationId xmlns:a16="http://schemas.microsoft.com/office/drawing/2014/main" id="{CF3F7316-0941-A1D7-E74F-A8B3BC3E33E1}"/>
               </a:ext>
             </a:extLst>
           </p:cNvPr>
@@ -2062,7 +2062,7 @@
           <a:bodyPr/>
           <a:lstStyle/>
           <a:p>
-            <a:fld id="{3F41B509-F13E-4EE1-B2A1-90ADE50EC19A}" type="datetimeFigureOut">
+            <a:fld id="{D68ACC54-C840-4B15-A23F-83B77D4DB5E4}" type="datetimeFigureOut">
               <a:rPr lang="zh-CN" altLang="en-US" smtClean="0"/>
               <a:t>2024/3/10</a:t>
             </a:fld>
@@ -2075,7 +2075,7 @@
           <p:cNvPr id="3" name="页脚占位符 2">
             <a:extLst>
               <a:ext uri="{FF2B5EF4-FFF2-40B4-BE49-F238E27FC236}">
-                <a16:creationId xmlns:a16="http://schemas.microsoft.com/office/drawing/2014/main" id="{AF965D48-3716-B014-FBE3-BFF6DE7CBEC3}"/>
+                <a16:creationId xmlns:a16="http://schemas.microsoft.com/office/drawing/2014/main" id="{D2E843CA-A7DF-256C-0708-3101DB82ECBD}"/>
               </a:ext>
             </a:extLst>
           </p:cNvPr>
@@ -2100,7 +2100,7 @@
           <p:cNvPr id="4" name="灯片编号占位符 3">
             <a:extLst>
               <a:ext uri="{FF2B5EF4-FFF2-40B4-BE49-F238E27FC236}">
-                <a16:creationId xmlns:a16="http://schemas.microsoft.com/office/drawing/2014/main" id="{EA6554E3-87E4-1390-FB9C-27D78F3DCD95}"/>
+                <a16:creationId xmlns:a16="http://schemas.microsoft.com/office/drawing/2014/main" id="{6C7BB6DF-EA0B-86D9-C27B-71BFC6403FBB}"/>
               </a:ext>
             </a:extLst>
           </p:cNvPr>
@@ -2116,7 +2116,7 @@
           <a:bodyPr/>
           <a:lstStyle/>
           <a:p>
-            <a:fld id="{6E988041-BCAD-401F-B55A-B0C9C824315B}" type="slidenum">
+            <a:fld id="{68C9FE0B-8E47-4BFF-B3FB-AF8FC613ABD3}" type="slidenum">
               <a:rPr lang="zh-CN" altLang="en-US" smtClean="0"/>
               <a:t>‹#›</a:t>
             </a:fld>
@@ -2127,7 +2127,7 @@
     </p:spTree>
     <p:extLst>
       <p:ext uri="{BB962C8B-B14F-4D97-AF65-F5344CB8AC3E}">
-        <p14:creationId xmlns:p14="http://schemas.microsoft.com/office/powerpoint/2010/main" val="2718238057"/>
+        <p14:creationId xmlns:p14="http://schemas.microsoft.com/office/powerpoint/2010/main" val="4050822815"/>
       </p:ext>
     </p:extLst>
   </p:cSld>
@@ -2159,7 +2159,7 @@
           <p:cNvPr id="2" name="标题 1">
             <a:extLst>
               <a:ext uri="{FF2B5EF4-FFF2-40B4-BE49-F238E27FC236}">
-                <a16:creationId xmlns:a16="http://schemas.microsoft.com/office/drawing/2014/main" id="{5A77E4CF-5B09-E208-AA05-31171202DA97}"/>
+                <a16:creationId xmlns:a16="http://schemas.microsoft.com/office/drawing/2014/main" id="{009943EF-BEC8-D6DB-A302-EA724F922BCA}"/>
               </a:ext>
             </a:extLst>
           </p:cNvPr>
@@ -2196,7 +2196,7 @@
           <p:cNvPr id="3" name="内容占位符 2">
             <a:extLst>
               <a:ext uri="{FF2B5EF4-FFF2-40B4-BE49-F238E27FC236}">
-                <a16:creationId xmlns:a16="http://schemas.microsoft.com/office/drawing/2014/main" id="{8E6BF0ED-6D61-848F-2850-14F624B37E9C}"/>
+                <a16:creationId xmlns:a16="http://schemas.microsoft.com/office/drawing/2014/main" id="{7FF83F60-13CF-F314-70C6-E8C11F9BDCA8}"/>
               </a:ext>
             </a:extLst>
           </p:cNvPr>
@@ -2286,7 +2286,7 @@
           <p:cNvPr id="4" name="文本占位符 3">
             <a:extLst>
               <a:ext uri="{FF2B5EF4-FFF2-40B4-BE49-F238E27FC236}">
-                <a16:creationId xmlns:a16="http://schemas.microsoft.com/office/drawing/2014/main" id="{06EA26FE-54E9-DD05-30E7-A558F6490664}"/>
+                <a16:creationId xmlns:a16="http://schemas.microsoft.com/office/drawing/2014/main" id="{2E274FFD-38D8-2345-A381-53C12D13B3F2}"/>
               </a:ext>
             </a:extLst>
           </p:cNvPr>
@@ -2357,7 +2357,7 @@
           <p:cNvPr id="5" name="日期占位符 4">
             <a:extLst>
               <a:ext uri="{FF2B5EF4-FFF2-40B4-BE49-F238E27FC236}">
-                <a16:creationId xmlns:a16="http://schemas.microsoft.com/office/drawing/2014/main" id="{BDA40F8E-5176-0352-69C6-0FBE91F2AB2E}"/>
+                <a16:creationId xmlns:a16="http://schemas.microsoft.com/office/drawing/2014/main" id="{9AA6903A-879D-213E-CD5A-3016D1148D35}"/>
               </a:ext>
             </a:extLst>
           </p:cNvPr>
@@ -2373,7 +2373,7 @@
           <a:bodyPr/>
           <a:lstStyle/>
           <a:p>
-            <a:fld id="{3F41B509-F13E-4EE1-B2A1-90ADE50EC19A}" type="datetimeFigureOut">
+            <a:fld id="{D68ACC54-C840-4B15-A23F-83B77D4DB5E4}" type="datetimeFigureOut">
               <a:rPr lang="zh-CN" altLang="en-US" smtClean="0"/>
               <a:t>2024/3/10</a:t>
             </a:fld>
@@ -2386,7 +2386,7 @@
           <p:cNvPr id="6" name="页脚占位符 5">
             <a:extLst>
               <a:ext uri="{FF2B5EF4-FFF2-40B4-BE49-F238E27FC236}">
-                <a16:creationId xmlns:a16="http://schemas.microsoft.com/office/drawing/2014/main" id="{A2634586-F3D5-D1BB-BEBD-75CE83132638}"/>
+                <a16:creationId xmlns:a16="http://schemas.microsoft.com/office/drawing/2014/main" id="{81D3529E-782D-1589-70F1-3BB454FF7BB8}"/>
               </a:ext>
             </a:extLst>
           </p:cNvPr>
@@ -2411,7 +2411,7 @@
           <p:cNvPr id="7" name="灯片编号占位符 6">
             <a:extLst>
               <a:ext uri="{FF2B5EF4-FFF2-40B4-BE49-F238E27FC236}">
-                <a16:creationId xmlns:a16="http://schemas.microsoft.com/office/drawing/2014/main" id="{0DA72E45-ECC9-1844-0892-ABCE32F1BA51}"/>
+                <a16:creationId xmlns:a16="http://schemas.microsoft.com/office/drawing/2014/main" id="{6570E5BA-7F47-EA79-2BCE-8E4BCA9540B4}"/>
               </a:ext>
             </a:extLst>
           </p:cNvPr>
@@ -2427,7 +2427,7 @@
           <a:bodyPr/>
           <a:lstStyle/>
           <a:p>
-            <a:fld id="{6E988041-BCAD-401F-B55A-B0C9C824315B}" type="slidenum">
+            <a:fld id="{68C9FE0B-8E47-4BFF-B3FB-AF8FC613ABD3}" type="slidenum">
               <a:rPr lang="zh-CN" altLang="en-US" smtClean="0"/>
               <a:t>‹#›</a:t>
             </a:fld>
@@ -2438,7 +2438,7 @@
     </p:spTree>
     <p:extLst>
       <p:ext uri="{BB962C8B-B14F-4D97-AF65-F5344CB8AC3E}">
-        <p14:creationId xmlns:p14="http://schemas.microsoft.com/office/powerpoint/2010/main" val="3604905760"/>
+        <p14:creationId xmlns:p14="http://schemas.microsoft.com/office/powerpoint/2010/main" val="1591790366"/>
       </p:ext>
     </p:extLst>
   </p:cSld>
@@ -2470,7 +2470,7 @@
           <p:cNvPr id="2" name="标题 1">
             <a:extLst>
               <a:ext uri="{FF2B5EF4-FFF2-40B4-BE49-F238E27FC236}">
-                <a16:creationId xmlns:a16="http://schemas.microsoft.com/office/drawing/2014/main" id="{A656EE71-CFDE-CFF5-2E18-EE5D7D53023B}"/>
+                <a16:creationId xmlns:a16="http://schemas.microsoft.com/office/drawing/2014/main" id="{F6751616-9FC5-6DE7-6755-9D4FCBEEB507}"/>
               </a:ext>
             </a:extLst>
           </p:cNvPr>
@@ -2507,7 +2507,7 @@
           <p:cNvPr id="3" name="图片占位符 2">
             <a:extLst>
               <a:ext uri="{FF2B5EF4-FFF2-40B4-BE49-F238E27FC236}">
-                <a16:creationId xmlns:a16="http://schemas.microsoft.com/office/drawing/2014/main" id="{BD15E57D-14AA-A0CA-F7C2-A3F357FD010E}"/>
+                <a16:creationId xmlns:a16="http://schemas.microsoft.com/office/drawing/2014/main" id="{256EE56B-FF7F-80E5-1D59-19E8C57B2045}"/>
               </a:ext>
             </a:extLst>
           </p:cNvPr>
@@ -2574,7 +2574,7 @@
           <p:cNvPr id="4" name="文本占位符 3">
             <a:extLst>
               <a:ext uri="{FF2B5EF4-FFF2-40B4-BE49-F238E27FC236}">
-                <a16:creationId xmlns:a16="http://schemas.microsoft.com/office/drawing/2014/main" id="{16E4AD12-DF37-54B4-152B-7BF5F5AC092A}"/>
+                <a16:creationId xmlns:a16="http://schemas.microsoft.com/office/drawing/2014/main" id="{A7DBF7CB-DB57-3A27-1595-46F8C5A157E7}"/>
               </a:ext>
             </a:extLst>
           </p:cNvPr>
@@ -2645,7 +2645,7 @@
           <p:cNvPr id="5" name="日期占位符 4">
             <a:extLst>
               <a:ext uri="{FF2B5EF4-FFF2-40B4-BE49-F238E27FC236}">
-                <a16:creationId xmlns:a16="http://schemas.microsoft.com/office/drawing/2014/main" id="{7573EEA2-E2E3-C197-D495-1AA25DC454DE}"/>
+                <a16:creationId xmlns:a16="http://schemas.microsoft.com/office/drawing/2014/main" id="{1CFCBF9B-0686-25D5-6242-FAF00877D2C5}"/>
               </a:ext>
             </a:extLst>
           </p:cNvPr>
@@ -2661,7 +2661,7 @@
           <a:bodyPr/>
           <a:lstStyle/>
           <a:p>
-            <a:fld id="{3F41B509-F13E-4EE1-B2A1-90ADE50EC19A}" type="datetimeFigureOut">
+            <a:fld id="{D68ACC54-C840-4B15-A23F-83B77D4DB5E4}" type="datetimeFigureOut">
               <a:rPr lang="zh-CN" altLang="en-US" smtClean="0"/>
               <a:t>2024/3/10</a:t>
             </a:fld>
@@ -2674,7 +2674,7 @@
           <p:cNvPr id="6" name="页脚占位符 5">
             <a:extLst>
               <a:ext uri="{FF2B5EF4-FFF2-40B4-BE49-F238E27FC236}">
-                <a16:creationId xmlns:a16="http://schemas.microsoft.com/office/drawing/2014/main" id="{2D099F9F-EABA-EBD6-42F9-38F4D3EDBDCB}"/>
+                <a16:creationId xmlns:a16="http://schemas.microsoft.com/office/drawing/2014/main" id="{5A4E17CC-E0C4-7003-0907-B42EC476C9D6}"/>
               </a:ext>
             </a:extLst>
           </p:cNvPr>
@@ -2699,7 +2699,7 @@
           <p:cNvPr id="7" name="灯片编号占位符 6">
             <a:extLst>
               <a:ext uri="{FF2B5EF4-FFF2-40B4-BE49-F238E27FC236}">
-                <a16:creationId xmlns:a16="http://schemas.microsoft.com/office/drawing/2014/main" id="{6C640F8D-85A4-5343-35D4-6E1F1F7DC952}"/>
+                <a16:creationId xmlns:a16="http://schemas.microsoft.com/office/drawing/2014/main" id="{66B4B324-9A70-581E-43DE-58EA35C2477D}"/>
               </a:ext>
             </a:extLst>
           </p:cNvPr>
@@ -2715,7 +2715,7 @@
           <a:bodyPr/>
           <a:lstStyle/>
           <a:p>
-            <a:fld id="{6E988041-BCAD-401F-B55A-B0C9C824315B}" type="slidenum">
+            <a:fld id="{68C9FE0B-8E47-4BFF-B3FB-AF8FC613ABD3}" type="slidenum">
               <a:rPr lang="zh-CN" altLang="en-US" smtClean="0"/>
               <a:t>‹#›</a:t>
             </a:fld>
@@ -2726,7 +2726,7 @@
     </p:spTree>
     <p:extLst>
       <p:ext uri="{BB962C8B-B14F-4D97-AF65-F5344CB8AC3E}">
-        <p14:creationId xmlns:p14="http://schemas.microsoft.com/office/powerpoint/2010/main" val="747029835"/>
+        <p14:creationId xmlns:p14="http://schemas.microsoft.com/office/powerpoint/2010/main" val="1067249901"/>
       </p:ext>
     </p:extLst>
   </p:cSld>
@@ -2763,7 +2763,7 @@
           <p:cNvPr id="2" name="标题占位符 1">
             <a:extLst>
               <a:ext uri="{FF2B5EF4-FFF2-40B4-BE49-F238E27FC236}">
-                <a16:creationId xmlns:a16="http://schemas.microsoft.com/office/drawing/2014/main" id="{2499B5F8-DFC1-DD83-F041-C0A4B87F412B}"/>
+                <a16:creationId xmlns:a16="http://schemas.microsoft.com/office/drawing/2014/main" id="{18689EFA-649A-1E12-BBFC-669AEC9E6368}"/>
               </a:ext>
             </a:extLst>
           </p:cNvPr>
@@ -2801,7 +2801,7 @@
           <p:cNvPr id="3" name="文本占位符 2">
             <a:extLst>
               <a:ext uri="{FF2B5EF4-FFF2-40B4-BE49-F238E27FC236}">
-                <a16:creationId xmlns:a16="http://schemas.microsoft.com/office/drawing/2014/main" id="{43F80A98-A124-5FF1-211E-235FC92A07DF}"/>
+                <a16:creationId xmlns:a16="http://schemas.microsoft.com/office/drawing/2014/main" id="{5ACA62E9-6771-BBCB-6735-2A1D091E6089}"/>
               </a:ext>
             </a:extLst>
           </p:cNvPr>
@@ -2868,7 +2868,7 @@
           <p:cNvPr id="4" name="日期占位符 3">
             <a:extLst>
               <a:ext uri="{FF2B5EF4-FFF2-40B4-BE49-F238E27FC236}">
-                <a16:creationId xmlns:a16="http://schemas.microsoft.com/office/drawing/2014/main" id="{E7D5BA38-7F1A-E20F-EF9F-C07806292AF4}"/>
+                <a16:creationId xmlns:a16="http://schemas.microsoft.com/office/drawing/2014/main" id="{6984DE48-DAAC-BFCF-10E2-1DF6873EE8B5}"/>
               </a:ext>
             </a:extLst>
           </p:cNvPr>
@@ -2902,7 +2902,7 @@
             </a:lvl1pPr>
           </a:lstStyle>
           <a:p>
-            <a:fld id="{3F41B509-F13E-4EE1-B2A1-90ADE50EC19A}" type="datetimeFigureOut">
+            <a:fld id="{D68ACC54-C840-4B15-A23F-83B77D4DB5E4}" type="datetimeFigureOut">
               <a:rPr lang="zh-CN" altLang="en-US" smtClean="0"/>
               <a:t>2024/3/10</a:t>
             </a:fld>
@@ -2915,7 +2915,7 @@
           <p:cNvPr id="5" name="页脚占位符 4">
             <a:extLst>
               <a:ext uri="{FF2B5EF4-FFF2-40B4-BE49-F238E27FC236}">
-                <a16:creationId xmlns:a16="http://schemas.microsoft.com/office/drawing/2014/main" id="{7C864DDB-BCC2-4E46-2C72-4A381DCE84E6}"/>
+                <a16:creationId xmlns:a16="http://schemas.microsoft.com/office/drawing/2014/main" id="{332A1888-53D8-81D9-69E9-7E9AABFA3996}"/>
               </a:ext>
             </a:extLst>
           </p:cNvPr>
@@ -2958,7 +2958,7 @@
           <p:cNvPr id="6" name="灯片编号占位符 5">
             <a:extLst>
               <a:ext uri="{FF2B5EF4-FFF2-40B4-BE49-F238E27FC236}">
-                <a16:creationId xmlns:a16="http://schemas.microsoft.com/office/drawing/2014/main" id="{FBC66662-2FDB-AE2B-7811-2F4793452035}"/>
+                <a16:creationId xmlns:a16="http://schemas.microsoft.com/office/drawing/2014/main" id="{22825464-456A-40E4-F240-8E7189ACA05E}"/>
               </a:ext>
             </a:extLst>
           </p:cNvPr>
@@ -2992,7 +2992,7 @@
             </a:lvl1pPr>
           </a:lstStyle>
           <a:p>
-            <a:fld id="{6E988041-BCAD-401F-B55A-B0C9C824315B}" type="slidenum">
+            <a:fld id="{68C9FE0B-8E47-4BFF-B3FB-AF8FC613ABD3}" type="slidenum">
               <a:rPr lang="zh-CN" altLang="en-US" smtClean="0"/>
               <a:t>‹#›</a:t>
             </a:fld>
@@ -3003,7 +3003,7 @@
     </p:spTree>
     <p:extLst>
       <p:ext uri="{BB962C8B-B14F-4D97-AF65-F5344CB8AC3E}">
-        <p14:creationId xmlns:p14="http://schemas.microsoft.com/office/powerpoint/2010/main" val="201016338"/>
+        <p14:creationId xmlns:p14="http://schemas.microsoft.com/office/powerpoint/2010/main" val="3242729987"/>
       </p:ext>
     </p:extLst>
   </p:cSld>
